--- a/lab_session_3_ssd_det.pptx
+++ b/lab_session_3_ssd_det.pptx
@@ -214,7 +214,7 @@
           <a:p>
             <a:fld id="{750395B3-B7B0-6348-A1DB-53FE2F234FBF}" type="datetimeFigureOut">
               <a:rPr lang="en-US" smtClean="0"/>
-              <a:t>10/1/18</a:t>
+              <a:t>10/9/18</a:t>
             </a:fld>
             <a:endParaRPr lang="en-US"/>
           </a:p>
@@ -18204,7 +18204,7 @@
               </a:r>
               <a:r>
                 <a:rPr lang="en-US" altLang="zh-CN" sz="1400" dirty="0"/>
-                <a:t>11.</a:t>
+                <a:t>6.</a:t>
               </a:r>
               <a:r>
                 <a:rPr lang="zh-CN" altLang="en-US" sz="1400" dirty="0"/>
@@ -18639,7 +18639,7 @@
               </a:r>
               <a:r>
                 <a:rPr lang="en-US" altLang="zh-CN" sz="1600" dirty="0"/>
-                <a:t>11</a:t>
+                <a:t>6</a:t>
               </a:r>
               <a:r>
                 <a:rPr lang="zh-CN" altLang="en-US" sz="1600" dirty="0"/>
@@ -18663,7 +18663,7 @@
               </a:r>
               <a:r>
                 <a:rPr lang="en-US" altLang="zh-CN" sz="1600" dirty="0"/>
-                <a:t>13.</a:t>
+                <a:t>12.</a:t>
               </a:r>
               <a:r>
                 <a:rPr lang="zh-CN" altLang="en-US" sz="1600" dirty="0"/>
